--- a/Pwn/pwn.pptx
+++ b/Pwn/pwn.pptx
@@ -19,8 +19,7 @@
     <p:sldId id="267" r:id="rId13"/>
     <p:sldId id="271" r:id="rId14"/>
     <p:sldId id="270" r:id="rId15"/>
-    <p:sldId id="272" r:id="rId16"/>
-    <p:sldId id="273" r:id="rId17"/>
+    <p:sldId id="273" r:id="rId16"/>
   </p:sldIdLst>
   <p:sldSz cx="12192000" cy="6858000"/>
   <p:notesSz cx="6858000" cy="9144000"/>
@@ -3775,7 +3774,23 @@
           <a:p>
             <a:r>
               <a:rPr lang="en-US" altLang="zh-TW" dirty="0"/>
-              <a:t>stage3</a:t>
+              <a:t>Stage3</a:t>
+            </a:r>
+            <a:r>
+              <a:rPr lang="zh-TW" altLang="en-US" dirty="0"/>
+              <a:t>要找一個叫</a:t>
+            </a:r>
+            <a:r>
+              <a:rPr lang="en-US" altLang="zh-TW" dirty="0" err="1"/>
+              <a:t>im_a_global_variable</a:t>
+            </a:r>
+            <a:r>
+              <a:rPr lang="zh-TW" altLang="en-US" dirty="0"/>
+              <a:t>的</a:t>
+            </a:r>
+            <a:r>
+              <a:rPr lang="en-US" altLang="zh-TW" dirty="0"/>
+              <a:t>global variable</a:t>
             </a:r>
             <a:endParaRPr lang="zh-TW" altLang="en-US" dirty="0"/>
           </a:p>
@@ -3809,7 +3824,7 @@
         </p:blipFill>
         <p:spPr>
           <a:xfrm>
-            <a:off x="5111995" y="2080641"/>
+            <a:off x="3066627" y="2396553"/>
             <a:ext cx="6058746" cy="4096322"/>
           </a:xfrm>
           <a:prstGeom prst="rect">
@@ -3899,10 +3914,25 @@
           <a:lstStyle/>
           <a:p>
             <a:r>
+              <a:rPr lang="zh-TW" altLang="en-US" dirty="0"/>
+              <a:t>用</a:t>
+            </a:r>
+            <a:r>
+              <a:rPr lang="en-US" altLang="zh-TW" dirty="0" err="1"/>
+              <a:t>gdb</a:t>
+            </a:r>
+            <a:r>
+              <a:rPr lang="zh-TW" altLang="en-US" dirty="0"/>
+              <a:t>打開，在</a:t>
+            </a:r>
+            <a:r>
               <a:rPr lang="en-US" altLang="zh-TW" dirty="0"/>
               <a:t>stage3</a:t>
             </a:r>
-            <a:endParaRPr lang="zh-TW" altLang="en-US" dirty="0"/>
+            <a:r>
+              <a:rPr lang="zh-TW" altLang="en-US" dirty="0"/>
+              <a:t>開始時設置斷點</a:t>
+            </a:r>
           </a:p>
         </p:txBody>
       </p:sp>
@@ -3934,7 +3964,7 @@
         </p:blipFill>
         <p:spPr>
           <a:xfrm>
-            <a:off x="4036852" y="2323635"/>
+            <a:off x="3370646" y="2911463"/>
             <a:ext cx="7078063" cy="3077004"/>
           </a:xfrm>
           <a:prstGeom prst="rect">
@@ -4024,8 +4054,81 @@
           <a:lstStyle/>
           <a:p>
             <a:r>
+              <a:rPr lang="zh-TW" altLang="en-US" dirty="0"/>
+              <a:t>執行後，在斷點處停下來，用</a:t>
+            </a:r>
+            <a:r>
               <a:rPr lang="en-US" altLang="zh-TW" dirty="0"/>
-              <a:t>stage3</a:t>
+              <a:t>info variable</a:t>
+            </a:r>
+            <a:r>
+              <a:rPr lang="zh-TW" altLang="en-US" dirty="0"/>
+              <a:t>找到</a:t>
+            </a:r>
+            <a:r>
+              <a:rPr lang="en-US" altLang="zh-TW" dirty="0" err="1"/>
+              <a:t>im_a_global_variable</a:t>
+            </a:r>
+            <a:r>
+              <a:rPr lang="zh-TW" altLang="en-US" dirty="0"/>
+              <a:t>的位置</a:t>
+            </a:r>
+            <a:endParaRPr lang="en-US" altLang="zh-TW" dirty="0"/>
+          </a:p>
+          <a:p>
+            <a:r>
+              <a:rPr lang="zh-TW" altLang="en-US" dirty="0"/>
+              <a:t>再用</a:t>
+            </a:r>
+            <a:r>
+              <a:rPr lang="en-US" altLang="zh-TW" dirty="0"/>
+              <a:t>p/x</a:t>
+            </a:r>
+            <a:r>
+              <a:rPr lang="zh-TW" altLang="en-US" dirty="0"/>
+              <a:t>看看裡面的值，發現為</a:t>
+            </a:r>
+            <a:endParaRPr lang="en-US" altLang="zh-TW" dirty="0"/>
+          </a:p>
+          <a:p>
+            <a:pPr marL="0" indent="0">
+              <a:buNone/>
+            </a:pPr>
+            <a:r>
+              <a:rPr lang="zh-TW" altLang="en-US" dirty="0"/>
+              <a:t>   </a:t>
+            </a:r>
+            <a:r>
+              <a:rPr lang="en-US" altLang="zh-TW" dirty="0"/>
+              <a:t>0x60107c</a:t>
+            </a:r>
+          </a:p>
+          <a:p>
+            <a:r>
+              <a:rPr lang="zh-TW" altLang="en-US" dirty="0"/>
+              <a:t>根據</a:t>
+            </a:r>
+            <a:r>
+              <a:rPr lang="en-US" altLang="zh-TW" dirty="0"/>
+              <a:t>reverse</a:t>
+            </a:r>
+            <a:r>
+              <a:rPr lang="zh-TW" altLang="en-US" dirty="0"/>
+              <a:t>的結果執行程式，即得到</a:t>
+            </a:r>
+            <a:endParaRPr lang="en-US" altLang="zh-TW" dirty="0"/>
+          </a:p>
+          <a:p>
+            <a:pPr marL="0" indent="0">
+              <a:buNone/>
+            </a:pPr>
+            <a:r>
+              <a:rPr lang="zh-TW" altLang="en-US" dirty="0"/>
+              <a:t>   </a:t>
+            </a:r>
+            <a:r>
+              <a:rPr lang="en-US" altLang="zh-TW"/>
+              <a:t>sell</a:t>
             </a:r>
             <a:endParaRPr lang="zh-TW" altLang="en-US" dirty="0"/>
           </a:p>
@@ -4059,8 +4162,116 @@
         </p:blipFill>
         <p:spPr>
           <a:xfrm>
-            <a:off x="6535129" y="2809788"/>
+            <a:off x="7487704" y="365125"/>
             <a:ext cx="3934374" cy="1238423"/>
+          </a:xfrm>
+          <a:prstGeom prst="rect">
+            <a:avLst/>
+          </a:prstGeom>
+        </p:spPr>
+      </p:pic>
+      <p:pic>
+        <p:nvPicPr>
+          <p:cNvPr id="8" name="圖片 7">
+            <a:extLst>
+              <a:ext uri="{FF2B5EF4-FFF2-40B4-BE49-F238E27FC236}">
+                <a16:creationId xmlns:a16="http://schemas.microsoft.com/office/drawing/2014/main" id="{82D992F9-5683-46F7-9D5D-03D480EC9392}"/>
+              </a:ext>
+            </a:extLst>
+          </p:cNvPr>
+          <p:cNvPicPr>
+            <a:picLocks noChangeAspect="1"/>
+          </p:cNvPicPr>
+          <p:nvPr/>
+        </p:nvPicPr>
+        <p:blipFill>
+          <a:blip r:embed="rId3">
+            <a:extLst>
+              <a:ext uri="{28A0092B-C50C-407E-A947-70E740481C1C}">
+                <a14:useLocalDpi xmlns:a14="http://schemas.microsoft.com/office/drawing/2010/main" val="0"/>
+              </a:ext>
+            </a:extLst>
+          </a:blip>
+          <a:stretch>
+            <a:fillRect/>
+          </a:stretch>
+        </p:blipFill>
+        <p:spPr>
+          <a:xfrm>
+            <a:off x="7210738" y="2921426"/>
+            <a:ext cx="3324689" cy="1200318"/>
+          </a:xfrm>
+          <a:prstGeom prst="rect">
+            <a:avLst/>
+          </a:prstGeom>
+        </p:spPr>
+      </p:pic>
+      <p:pic>
+        <p:nvPicPr>
+          <p:cNvPr id="9" name="圖片 8">
+            <a:extLst>
+              <a:ext uri="{FF2B5EF4-FFF2-40B4-BE49-F238E27FC236}">
+                <a16:creationId xmlns:a16="http://schemas.microsoft.com/office/drawing/2014/main" id="{2567C749-04EB-4B83-BF6A-7E59148C2213}"/>
+              </a:ext>
+            </a:extLst>
+          </p:cNvPr>
+          <p:cNvPicPr>
+            <a:picLocks noChangeAspect="1"/>
+          </p:cNvPicPr>
+          <p:nvPr/>
+        </p:nvPicPr>
+        <p:blipFill>
+          <a:blip r:embed="rId4">
+            <a:extLst>
+              <a:ext uri="{28A0092B-C50C-407E-A947-70E740481C1C}">
+                <a14:useLocalDpi xmlns:a14="http://schemas.microsoft.com/office/drawing/2010/main" val="0"/>
+              </a:ext>
+            </a:extLst>
+          </a:blip>
+          <a:stretch>
+            <a:fillRect/>
+          </a:stretch>
+        </p:blipFill>
+        <p:spPr>
+          <a:xfrm>
+            <a:off x="5782491" y="4778296"/>
+            <a:ext cx="3410426" cy="1952898"/>
+          </a:xfrm>
+          <a:prstGeom prst="rect">
+            <a:avLst/>
+          </a:prstGeom>
+        </p:spPr>
+      </p:pic>
+      <p:pic>
+        <p:nvPicPr>
+          <p:cNvPr id="11" name="圖片 10">
+            <a:extLst>
+              <a:ext uri="{FF2B5EF4-FFF2-40B4-BE49-F238E27FC236}">
+                <a16:creationId xmlns:a16="http://schemas.microsoft.com/office/drawing/2014/main" id="{819E2C60-8368-4D72-A020-0D4182652BA5}"/>
+              </a:ext>
+            </a:extLst>
+          </p:cNvPr>
+          <p:cNvPicPr>
+            <a:picLocks noChangeAspect="1"/>
+          </p:cNvPicPr>
+          <p:nvPr/>
+        </p:nvPicPr>
+        <p:blipFill>
+          <a:blip r:embed="rId5">
+            <a:extLst>
+              <a:ext uri="{28A0092B-C50C-407E-A947-70E740481C1C}">
+                <a14:useLocalDpi xmlns:a14="http://schemas.microsoft.com/office/drawing/2010/main" val="0"/>
+              </a:ext>
+            </a:extLst>
+          </a:blip>
+          <a:stretch>
+            <a:fillRect/>
+          </a:stretch>
+        </p:blipFill>
+        <p:spPr>
+          <a:xfrm>
+            <a:off x="1440238" y="4873560"/>
+            <a:ext cx="3067478" cy="1762371"/>
           </a:xfrm>
           <a:prstGeom prst="rect">
             <a:avLst/>
@@ -4149,135 +4360,9 @@
           <a:lstStyle/>
           <a:p>
             <a:r>
-              <a:rPr lang="en-US" altLang="zh-TW" dirty="0"/>
-              <a:t>stage3</a:t>
-            </a:r>
-            <a:endParaRPr lang="zh-TW" altLang="en-US" dirty="0"/>
-          </a:p>
-        </p:txBody>
-      </p:sp>
-      <p:pic>
-        <p:nvPicPr>
-          <p:cNvPr id="6" name="圖片 5">
-            <a:extLst>
-              <a:ext uri="{FF2B5EF4-FFF2-40B4-BE49-F238E27FC236}">
-                <a16:creationId xmlns:a16="http://schemas.microsoft.com/office/drawing/2014/main" id="{E3579F94-BA5D-419C-B608-C0FB4C29D29A}"/>
-              </a:ext>
-            </a:extLst>
-          </p:cNvPr>
-          <p:cNvPicPr>
-            <a:picLocks noChangeAspect="1"/>
-          </p:cNvPicPr>
-          <p:nvPr/>
-        </p:nvPicPr>
-        <p:blipFill>
-          <a:blip r:embed="rId2">
-            <a:extLst>
-              <a:ext uri="{28A0092B-C50C-407E-A947-70E740481C1C}">
-                <a14:useLocalDpi xmlns:a14="http://schemas.microsoft.com/office/drawing/2010/main" val="0"/>
-              </a:ext>
-            </a:extLst>
-          </a:blip>
-          <a:stretch>
-            <a:fillRect/>
-          </a:stretch>
-        </p:blipFill>
-        <p:spPr>
-          <a:xfrm>
-            <a:off x="6680467" y="2800976"/>
-            <a:ext cx="3324689" cy="1200318"/>
-          </a:xfrm>
-          <a:prstGeom prst="rect">
-            <a:avLst/>
-          </a:prstGeom>
-        </p:spPr>
-      </p:pic>
-    </p:spTree>
-    <p:extLst>
-      <p:ext uri="{BB962C8B-B14F-4D97-AF65-F5344CB8AC3E}">
-        <p14:creationId xmlns:p14="http://schemas.microsoft.com/office/powerpoint/2010/main" val="2604515869"/>
-      </p:ext>
-    </p:extLst>
-  </p:cSld>
-  <p:clrMapOvr>
-    <a:masterClrMapping/>
-  </p:clrMapOvr>
-</p:sld>
-</file>
-
-<file path=ppt/slides/slide16.xml><?xml version="1.0" encoding="utf-8"?>
-<p:sld xmlns:a="http://schemas.openxmlformats.org/drawingml/2006/main" xmlns:r="http://schemas.openxmlformats.org/officeDocument/2006/relationships" xmlns:p="http://schemas.openxmlformats.org/presentationml/2006/main">
-  <p:cSld>
-    <p:spTree>
-      <p:nvGrpSpPr>
-        <p:cNvPr id="1" name=""/>
-        <p:cNvGrpSpPr/>
-        <p:nvPr/>
-      </p:nvGrpSpPr>
-      <p:grpSpPr>
-        <a:xfrm>
-          <a:off x="0" y="0"/>
-          <a:ext cx="0" cy="0"/>
-          <a:chOff x="0" y="0"/>
-          <a:chExt cx="0" cy="0"/>
-        </a:xfrm>
-      </p:grpSpPr>
-      <p:sp>
-        <p:nvSpPr>
-          <p:cNvPr id="2" name="標題 1">
-            <a:extLst>
-              <a:ext uri="{FF2B5EF4-FFF2-40B4-BE49-F238E27FC236}">
-                <a16:creationId xmlns:a16="http://schemas.microsoft.com/office/drawing/2014/main" id="{3C8E5E03-BB4E-439C-8302-52F2A316DB20}"/>
-              </a:ext>
-            </a:extLst>
-          </p:cNvPr>
-          <p:cNvSpPr>
-            <a:spLocks noGrp="1"/>
-          </p:cNvSpPr>
-          <p:nvPr>
-            <p:ph type="title"/>
-          </p:nvPr>
-        </p:nvSpPr>
-        <p:spPr/>
-        <p:txBody>
-          <a:bodyPr/>
-          <a:lstStyle/>
-          <a:p>
-            <a:pPr algn="ctr"/>
-            <a:r>
-              <a:rPr lang="en-US" altLang="zh-TW" dirty="0"/>
-              <a:t>Binary</a:t>
-            </a:r>
-            <a:endParaRPr lang="zh-TW" altLang="en-US" dirty="0"/>
-          </a:p>
-        </p:txBody>
-      </p:sp>
-      <p:sp>
-        <p:nvSpPr>
-          <p:cNvPr id="3" name="內容版面配置區 2">
-            <a:extLst>
-              <a:ext uri="{FF2B5EF4-FFF2-40B4-BE49-F238E27FC236}">
-                <a16:creationId xmlns:a16="http://schemas.microsoft.com/office/drawing/2014/main" id="{99DFC062-E07A-48E3-97F3-687288986A82}"/>
-              </a:ext>
-            </a:extLst>
-          </p:cNvPr>
-          <p:cNvSpPr>
-            <a:spLocks noGrp="1"/>
-          </p:cNvSpPr>
-          <p:nvPr>
-            <p:ph idx="1"/>
-          </p:nvPr>
-        </p:nvSpPr>
-        <p:spPr/>
-        <p:txBody>
-          <a:bodyPr/>
-          <a:lstStyle/>
-          <a:p>
-            <a:r>
-              <a:rPr lang="zh-TW" altLang="en-US"/>
+              <a:rPr lang="zh-TW" altLang="en-US" dirty="0"/>
               <a:t>結果</a:t>
             </a:r>
-            <a:endParaRPr lang="zh-TW" altLang="en-US" dirty="0"/>
           </a:p>
         </p:txBody>
       </p:sp>
